--- a/1/_2_6 Способы коммуникации ч.2.pptx
+++ b/1/_2_6 Способы коммуникации ч.2.pptx
@@ -22,6 +22,9 @@
     <p:sldId id="275" r:id="rId16"/>
     <p:sldId id="276" r:id="rId17"/>
     <p:sldId id="277" r:id="rId18"/>
+    <p:sldId id="278" r:id="rId19"/>
+    <p:sldId id="279" r:id="rId20"/>
+    <p:sldId id="280" r:id="rId21"/>
   </p:sldIdLst>
   <p:sldSz cx="12192000" cy="6858000"/>
   <p:notesSz cx="6858000" cy="9144000"/>
@@ -287,7 +290,7 @@
           <a:p>
             <a:fld id="{30A95110-85B8-4301-B13B-F280A06B402E}" type="datetimeFigureOut">
               <a:rPr lang="ru-RU" smtClean="0"/>
-              <a:t>14.08.2021</a:t>
+              <a:t>20.08.2021</a:t>
             </a:fld>
             <a:endParaRPr lang="ru-RU"/>
           </a:p>
@@ -485,7 +488,7 @@
           <a:p>
             <a:fld id="{30A95110-85B8-4301-B13B-F280A06B402E}" type="datetimeFigureOut">
               <a:rPr lang="ru-RU" smtClean="0"/>
-              <a:t>14.08.2021</a:t>
+              <a:t>20.08.2021</a:t>
             </a:fld>
             <a:endParaRPr lang="ru-RU"/>
           </a:p>
@@ -693,7 +696,7 @@
           <a:p>
             <a:fld id="{30A95110-85B8-4301-B13B-F280A06B402E}" type="datetimeFigureOut">
               <a:rPr lang="ru-RU" smtClean="0"/>
-              <a:t>14.08.2021</a:t>
+              <a:t>20.08.2021</a:t>
             </a:fld>
             <a:endParaRPr lang="ru-RU"/>
           </a:p>
@@ -891,7 +894,7 @@
           <a:p>
             <a:fld id="{30A95110-85B8-4301-B13B-F280A06B402E}" type="datetimeFigureOut">
               <a:rPr lang="ru-RU" smtClean="0"/>
-              <a:t>14.08.2021</a:t>
+              <a:t>20.08.2021</a:t>
             </a:fld>
             <a:endParaRPr lang="ru-RU"/>
           </a:p>
@@ -1166,7 +1169,7 @@
           <a:p>
             <a:fld id="{30A95110-85B8-4301-B13B-F280A06B402E}" type="datetimeFigureOut">
               <a:rPr lang="ru-RU" smtClean="0"/>
-              <a:t>14.08.2021</a:t>
+              <a:t>20.08.2021</a:t>
             </a:fld>
             <a:endParaRPr lang="ru-RU"/>
           </a:p>
@@ -1431,7 +1434,7 @@
           <a:p>
             <a:fld id="{30A95110-85B8-4301-B13B-F280A06B402E}" type="datetimeFigureOut">
               <a:rPr lang="ru-RU" smtClean="0"/>
-              <a:t>14.08.2021</a:t>
+              <a:t>20.08.2021</a:t>
             </a:fld>
             <a:endParaRPr lang="ru-RU"/>
           </a:p>
@@ -1843,7 +1846,7 @@
           <a:p>
             <a:fld id="{30A95110-85B8-4301-B13B-F280A06B402E}" type="datetimeFigureOut">
               <a:rPr lang="ru-RU" smtClean="0"/>
-              <a:t>14.08.2021</a:t>
+              <a:t>20.08.2021</a:t>
             </a:fld>
             <a:endParaRPr lang="ru-RU"/>
           </a:p>
@@ -1984,7 +1987,7 @@
           <a:p>
             <a:fld id="{30A95110-85B8-4301-B13B-F280A06B402E}" type="datetimeFigureOut">
               <a:rPr lang="ru-RU" smtClean="0"/>
-              <a:t>14.08.2021</a:t>
+              <a:t>20.08.2021</a:t>
             </a:fld>
             <a:endParaRPr lang="ru-RU"/>
           </a:p>
@@ -2097,7 +2100,7 @@
           <a:p>
             <a:fld id="{30A95110-85B8-4301-B13B-F280A06B402E}" type="datetimeFigureOut">
               <a:rPr lang="ru-RU" smtClean="0"/>
-              <a:t>14.08.2021</a:t>
+              <a:t>20.08.2021</a:t>
             </a:fld>
             <a:endParaRPr lang="ru-RU"/>
           </a:p>
@@ -2408,7 +2411,7 @@
           <a:p>
             <a:fld id="{30A95110-85B8-4301-B13B-F280A06B402E}" type="datetimeFigureOut">
               <a:rPr lang="ru-RU" smtClean="0"/>
-              <a:t>14.08.2021</a:t>
+              <a:t>20.08.2021</a:t>
             </a:fld>
             <a:endParaRPr lang="ru-RU"/>
           </a:p>
@@ -2696,7 +2699,7 @@
           <a:p>
             <a:fld id="{30A95110-85B8-4301-B13B-F280A06B402E}" type="datetimeFigureOut">
               <a:rPr lang="ru-RU" smtClean="0"/>
-              <a:t>14.08.2021</a:t>
+              <a:t>20.08.2021</a:t>
             </a:fld>
             <a:endParaRPr lang="ru-RU"/>
           </a:p>
@@ -2937,7 +2940,7 @@
           <a:p>
             <a:fld id="{30A95110-85B8-4301-B13B-F280A06B402E}" type="datetimeFigureOut">
               <a:rPr lang="ru-RU" smtClean="0"/>
-              <a:t>14.08.2021</a:t>
+              <a:t>20.08.2021</a:t>
             </a:fld>
             <a:endParaRPr lang="ru-RU"/>
           </a:p>
@@ -8578,6 +8581,212 @@
 </p:sld>
 </file>
 
+<file path=ppt/slides/slide18.xml><?xml version="1.0" encoding="utf-8"?>
+<p:sld xmlns:a="http://schemas.openxmlformats.org/drawingml/2006/main" xmlns:r="http://schemas.openxmlformats.org/officeDocument/2006/relationships" xmlns:p="http://schemas.openxmlformats.org/presentationml/2006/main">
+  <p:cSld>
+    <p:spTree>
+      <p:nvGrpSpPr>
+        <p:cNvPr id="1" name=""/>
+        <p:cNvGrpSpPr/>
+        <p:nvPr/>
+      </p:nvGrpSpPr>
+      <p:grpSpPr>
+        <a:xfrm>
+          <a:off x="0" y="0"/>
+          <a:ext cx="0" cy="0"/>
+          <a:chOff x="0" y="0"/>
+          <a:chExt cx="0" cy="0"/>
+        </a:xfrm>
+      </p:grpSpPr>
+      <p:sp>
+        <p:nvSpPr>
+          <p:cNvPr id="2" name="Заголовок 1">
+            <a:extLst>
+              <a:ext uri="{FF2B5EF4-FFF2-40B4-BE49-F238E27FC236}">
+                <a16:creationId xmlns:a16="http://schemas.microsoft.com/office/drawing/2014/main" id="{5A2FA802-A767-4908-8B8D-B9D467DAEE5D}"/>
+              </a:ext>
+            </a:extLst>
+          </p:cNvPr>
+          <p:cNvSpPr>
+            <a:spLocks noGrp="1"/>
+          </p:cNvSpPr>
+          <p:nvPr>
+            <p:ph type="title"/>
+          </p:nvPr>
+        </p:nvSpPr>
+        <p:spPr/>
+        <p:txBody>
+          <a:bodyPr/>
+          <a:lstStyle/>
+          <a:p>
+            <a:r>
+              <a:rPr lang="ru-RU" dirty="0"/>
+              <a:t>Вопрос</a:t>
+            </a:r>
+          </a:p>
+        </p:txBody>
+      </p:sp>
+      <p:pic>
+        <p:nvPicPr>
+          <p:cNvPr id="5" name="Рисунок 4">
+            <a:extLst>
+              <a:ext uri="{FF2B5EF4-FFF2-40B4-BE49-F238E27FC236}">
+                <a16:creationId xmlns:a16="http://schemas.microsoft.com/office/drawing/2014/main" id="{5A644227-C487-4284-8564-CC586F76AA4B}"/>
+              </a:ext>
+            </a:extLst>
+          </p:cNvPr>
+          <p:cNvPicPr>
+            <a:picLocks noChangeAspect="1"/>
+          </p:cNvPicPr>
+          <p:nvPr/>
+        </p:nvPicPr>
+        <p:blipFill>
+          <a:blip r:embed="rId2"/>
+          <a:stretch>
+            <a:fillRect/>
+          </a:stretch>
+        </p:blipFill>
+        <p:spPr>
+          <a:xfrm>
+            <a:off x="3266680" y="2485893"/>
+            <a:ext cx="5658640" cy="1886213"/>
+          </a:xfrm>
+          <a:prstGeom prst="rect">
+            <a:avLst/>
+          </a:prstGeom>
+        </p:spPr>
+      </p:pic>
+    </p:spTree>
+    <p:extLst>
+      <p:ext uri="{BB962C8B-B14F-4D97-AF65-F5344CB8AC3E}">
+        <p14:creationId xmlns:p14="http://schemas.microsoft.com/office/powerpoint/2010/main" val="76251110"/>
+      </p:ext>
+    </p:extLst>
+  </p:cSld>
+  <p:clrMapOvr>
+    <a:masterClrMapping/>
+  </p:clrMapOvr>
+</p:sld>
+</file>
+
+<file path=ppt/slides/slide19.xml><?xml version="1.0" encoding="utf-8"?>
+<p:sld xmlns:a="http://schemas.openxmlformats.org/drawingml/2006/main" xmlns:r="http://schemas.openxmlformats.org/officeDocument/2006/relationships" xmlns:p="http://schemas.openxmlformats.org/presentationml/2006/main">
+  <p:cSld>
+    <p:spTree>
+      <p:nvGrpSpPr>
+        <p:cNvPr id="1" name=""/>
+        <p:cNvGrpSpPr/>
+        <p:nvPr/>
+      </p:nvGrpSpPr>
+      <p:grpSpPr>
+        <a:xfrm>
+          <a:off x="0" y="0"/>
+          <a:ext cx="0" cy="0"/>
+          <a:chOff x="0" y="0"/>
+          <a:chExt cx="0" cy="0"/>
+        </a:xfrm>
+      </p:grpSpPr>
+      <p:sp>
+        <p:nvSpPr>
+          <p:cNvPr id="2" name="Заголовок 1">
+            <a:extLst>
+              <a:ext uri="{FF2B5EF4-FFF2-40B4-BE49-F238E27FC236}">
+                <a16:creationId xmlns:a16="http://schemas.microsoft.com/office/drawing/2014/main" id="{5A2FA802-A767-4908-8B8D-B9D467DAEE5D}"/>
+              </a:ext>
+            </a:extLst>
+          </p:cNvPr>
+          <p:cNvSpPr>
+            <a:spLocks noGrp="1"/>
+          </p:cNvSpPr>
+          <p:nvPr>
+            <p:ph type="title"/>
+          </p:nvPr>
+        </p:nvSpPr>
+        <p:spPr/>
+        <p:txBody>
+          <a:bodyPr/>
+          <a:lstStyle/>
+          <a:p>
+            <a:r>
+              <a:rPr lang="ru-RU" dirty="0"/>
+              <a:t>Ответ</a:t>
+            </a:r>
+          </a:p>
+        </p:txBody>
+      </p:sp>
+      <p:pic>
+        <p:nvPicPr>
+          <p:cNvPr id="5" name="Рисунок 4">
+            <a:extLst>
+              <a:ext uri="{FF2B5EF4-FFF2-40B4-BE49-F238E27FC236}">
+                <a16:creationId xmlns:a16="http://schemas.microsoft.com/office/drawing/2014/main" id="{5A644227-C487-4284-8564-CC586F76AA4B}"/>
+              </a:ext>
+            </a:extLst>
+          </p:cNvPr>
+          <p:cNvPicPr>
+            <a:picLocks noChangeAspect="1"/>
+          </p:cNvPicPr>
+          <p:nvPr/>
+        </p:nvPicPr>
+        <p:blipFill>
+          <a:blip r:embed="rId2"/>
+          <a:stretch>
+            <a:fillRect/>
+          </a:stretch>
+        </p:blipFill>
+        <p:spPr>
+          <a:xfrm>
+            <a:off x="3266680" y="2485893"/>
+            <a:ext cx="5658640" cy="1886213"/>
+          </a:xfrm>
+          <a:prstGeom prst="rect">
+            <a:avLst/>
+          </a:prstGeom>
+        </p:spPr>
+      </p:pic>
+      <p:pic>
+        <p:nvPicPr>
+          <p:cNvPr id="4" name="Рисунок 3">
+            <a:extLst>
+              <a:ext uri="{FF2B5EF4-FFF2-40B4-BE49-F238E27FC236}">
+                <a16:creationId xmlns:a16="http://schemas.microsoft.com/office/drawing/2014/main" id="{E721F3C2-0A30-430E-8544-5E7861BFD08B}"/>
+              </a:ext>
+            </a:extLst>
+          </p:cNvPr>
+          <p:cNvPicPr>
+            <a:picLocks noChangeAspect="1"/>
+          </p:cNvPicPr>
+          <p:nvPr/>
+        </p:nvPicPr>
+        <p:blipFill>
+          <a:blip r:embed="rId3"/>
+          <a:stretch>
+            <a:fillRect/>
+          </a:stretch>
+        </p:blipFill>
+        <p:spPr>
+          <a:xfrm>
+            <a:off x="3280662" y="3998032"/>
+            <a:ext cx="304843" cy="304843"/>
+          </a:xfrm>
+          <a:prstGeom prst="rect">
+            <a:avLst/>
+          </a:prstGeom>
+        </p:spPr>
+      </p:pic>
+    </p:spTree>
+    <p:extLst>
+      <p:ext uri="{BB962C8B-B14F-4D97-AF65-F5344CB8AC3E}">
+        <p14:creationId xmlns:p14="http://schemas.microsoft.com/office/powerpoint/2010/main" val="881857849"/>
+      </p:ext>
+    </p:extLst>
+  </p:cSld>
+  <p:clrMapOvr>
+    <a:masterClrMapping/>
+  </p:clrMapOvr>
+</p:sld>
+</file>
+
 <file path=ppt/slides/slide2.xml><?xml version="1.0" encoding="utf-8"?>
 <p:sld xmlns:a="http://schemas.openxmlformats.org/drawingml/2006/main" xmlns:r="http://schemas.openxmlformats.org/officeDocument/2006/relationships" xmlns:p="http://schemas.openxmlformats.org/presentationml/2006/main">
   <p:cSld>
@@ -9045,6 +9254,94 @@
     <p:extLst>
       <p:ext uri="{BB962C8B-B14F-4D97-AF65-F5344CB8AC3E}">
         <p14:creationId xmlns:p14="http://schemas.microsoft.com/office/powerpoint/2010/main" val="2853540851"/>
+      </p:ext>
+    </p:extLst>
+  </p:cSld>
+  <p:clrMapOvr>
+    <a:masterClrMapping/>
+  </p:clrMapOvr>
+</p:sld>
+</file>
+
+<file path=ppt/slides/slide20.xml><?xml version="1.0" encoding="utf-8"?>
+<p:sld xmlns:a="http://schemas.openxmlformats.org/drawingml/2006/main" xmlns:r="http://schemas.openxmlformats.org/officeDocument/2006/relationships" xmlns:p="http://schemas.openxmlformats.org/presentationml/2006/main">
+  <p:cSld>
+    <p:spTree>
+      <p:nvGrpSpPr>
+        <p:cNvPr id="1" name=""/>
+        <p:cNvGrpSpPr/>
+        <p:nvPr/>
+      </p:nvGrpSpPr>
+      <p:grpSpPr>
+        <a:xfrm>
+          <a:off x="0" y="0"/>
+          <a:ext cx="0" cy="0"/>
+          <a:chOff x="0" y="0"/>
+          <a:chExt cx="0" cy="0"/>
+        </a:xfrm>
+      </p:grpSpPr>
+      <p:sp>
+        <p:nvSpPr>
+          <p:cNvPr id="2" name="Заголовок 1">
+            <a:extLst>
+              <a:ext uri="{FF2B5EF4-FFF2-40B4-BE49-F238E27FC236}">
+                <a16:creationId xmlns:a16="http://schemas.microsoft.com/office/drawing/2014/main" id="{FBD9F052-A181-42A0-B525-74219B7A749F}"/>
+              </a:ext>
+            </a:extLst>
+          </p:cNvPr>
+          <p:cNvSpPr>
+            <a:spLocks noGrp="1"/>
+          </p:cNvSpPr>
+          <p:nvPr>
+            <p:ph type="title"/>
+          </p:nvPr>
+        </p:nvSpPr>
+        <p:spPr/>
+        <p:txBody>
+          <a:bodyPr/>
+          <a:lstStyle/>
+          <a:p>
+            <a:r>
+              <a:rPr lang="ru-RU" dirty="0"/>
+              <a:t>Обсуждение</a:t>
+            </a:r>
+          </a:p>
+        </p:txBody>
+      </p:sp>
+      <p:pic>
+        <p:nvPicPr>
+          <p:cNvPr id="5" name="Рисунок 4">
+            <a:extLst>
+              <a:ext uri="{FF2B5EF4-FFF2-40B4-BE49-F238E27FC236}">
+                <a16:creationId xmlns:a16="http://schemas.microsoft.com/office/drawing/2014/main" id="{DDEB826D-CF8E-4918-85D0-0D3EEAD44328}"/>
+              </a:ext>
+            </a:extLst>
+          </p:cNvPr>
+          <p:cNvPicPr>
+            <a:picLocks noChangeAspect="1"/>
+          </p:cNvPicPr>
+          <p:nvPr/>
+        </p:nvPicPr>
+        <p:blipFill>
+          <a:blip r:embed="rId2"/>
+          <a:stretch>
+            <a:fillRect/>
+          </a:stretch>
+        </p:blipFill>
+        <p:spPr>
+          <a:xfrm>
+            <a:off x="1799625" y="2681183"/>
+            <a:ext cx="8592749" cy="1495634"/>
+          </a:xfrm>
+          <a:prstGeom prst="rect">
+            <a:avLst/>
+          </a:prstGeom>
+        </p:spPr>
+      </p:pic>
+    </p:spTree>
+    <p:extLst>
+      <p:ext uri="{BB962C8B-B14F-4D97-AF65-F5344CB8AC3E}">
+        <p14:creationId xmlns:p14="http://schemas.microsoft.com/office/powerpoint/2010/main" val="2547338242"/>
       </p:ext>
     </p:extLst>
   </p:cSld>
